--- a/Capstone_1_Lariat Profit Proposals.pptx
+++ b/Capstone_1_Lariat Profit Proposals.pptx
@@ -2991,7 +2991,7 @@
           <a:p>
             <a:fld id="{1884E9E6-B01A-4DEE-B1B0-57CAC11894F6}" type="datetimeFigureOut">
               <a:rPr lang="en-US" smtClean="0"/>
-              <a:t>4/9/2023</a:t>
+              <a:t>12/30/2023</a:t>
             </a:fld>
             <a:endParaRPr lang="en-US"/>
           </a:p>
@@ -3253,7 +3253,7 @@
           <a:p>
             <a:fld id="{1884E9E6-B01A-4DEE-B1B0-57CAC11894F6}" type="datetimeFigureOut">
               <a:rPr lang="en-US" smtClean="0"/>
-              <a:t>4/9/2023</a:t>
+              <a:t>12/30/2023</a:t>
             </a:fld>
             <a:endParaRPr lang="en-US"/>
           </a:p>
@@ -3488,7 +3488,7 @@
           <a:p>
             <a:fld id="{1884E9E6-B01A-4DEE-B1B0-57CAC11894F6}" type="datetimeFigureOut">
               <a:rPr lang="en-US" smtClean="0"/>
-              <a:t>4/9/2023</a:t>
+              <a:t>12/30/2023</a:t>
             </a:fld>
             <a:endParaRPr lang="en-US"/>
           </a:p>
@@ -3728,7 +3728,7 @@
           <a:p>
             <a:fld id="{1884E9E6-B01A-4DEE-B1B0-57CAC11894F6}" type="datetimeFigureOut">
               <a:rPr lang="en-US" smtClean="0"/>
-              <a:t>4/9/2023</a:t>
+              <a:t>12/30/2023</a:t>
             </a:fld>
             <a:endParaRPr lang="en-US"/>
           </a:p>
@@ -4035,7 +4035,7 @@
           <a:p>
             <a:fld id="{1884E9E6-B01A-4DEE-B1B0-57CAC11894F6}" type="datetimeFigureOut">
               <a:rPr lang="en-US" smtClean="0"/>
-              <a:t>4/9/2023</a:t>
+              <a:t>12/30/2023</a:t>
             </a:fld>
             <a:endParaRPr lang="en-US"/>
           </a:p>
@@ -4337,7 +4337,7 @@
           <a:p>
             <a:fld id="{1884E9E6-B01A-4DEE-B1B0-57CAC11894F6}" type="datetimeFigureOut">
               <a:rPr lang="en-US" smtClean="0"/>
-              <a:t>4/9/2023</a:t>
+              <a:t>12/30/2023</a:t>
             </a:fld>
             <a:endParaRPr lang="en-US"/>
           </a:p>
@@ -4759,7 +4759,7 @@
           <a:p>
             <a:fld id="{1884E9E6-B01A-4DEE-B1B0-57CAC11894F6}" type="datetimeFigureOut">
               <a:rPr lang="en-US" smtClean="0"/>
-              <a:t>4/9/2023</a:t>
+              <a:t>12/30/2023</a:t>
             </a:fld>
             <a:endParaRPr lang="en-US"/>
           </a:p>
@@ -4921,7 +4921,7 @@
           <a:p>
             <a:fld id="{1884E9E6-B01A-4DEE-B1B0-57CAC11894F6}" type="datetimeFigureOut">
               <a:rPr lang="en-US" smtClean="0"/>
-              <a:t>4/9/2023</a:t>
+              <a:t>12/30/2023</a:t>
             </a:fld>
             <a:endParaRPr lang="en-US"/>
           </a:p>
@@ -5016,7 +5016,7 @@
           <a:p>
             <a:fld id="{1884E9E6-B01A-4DEE-B1B0-57CAC11894F6}" type="datetimeFigureOut">
               <a:rPr lang="en-US" smtClean="0"/>
-              <a:t>4/9/2023</a:t>
+              <a:t>12/30/2023</a:t>
             </a:fld>
             <a:endParaRPr lang="en-US"/>
           </a:p>
@@ -5394,7 +5394,7 @@
           <a:p>
             <a:fld id="{1884E9E6-B01A-4DEE-B1B0-57CAC11894F6}" type="datetimeFigureOut">
               <a:rPr lang="en-US" smtClean="0"/>
-              <a:t>4/9/2023</a:t>
+              <a:t>12/30/2023</a:t>
             </a:fld>
             <a:endParaRPr lang="en-US"/>
           </a:p>
@@ -5683,7 +5683,7 @@
           <a:p>
             <a:fld id="{1884E9E6-B01A-4DEE-B1B0-57CAC11894F6}" type="datetimeFigureOut">
               <a:rPr lang="en-US" smtClean="0"/>
-              <a:t>4/9/2023</a:t>
+              <a:t>12/30/2023</a:t>
             </a:fld>
             <a:endParaRPr lang="en-US"/>
           </a:p>
@@ -5894,7 +5894,7 @@
           <a:p>
             <a:fld id="{1884E9E6-B01A-4DEE-B1B0-57CAC11894F6}" type="datetimeFigureOut">
               <a:rPr lang="en-US" smtClean="0"/>
-              <a:t>4/9/2023</a:t>
+              <a:t>12/30/2023</a:t>
             </a:fld>
             <a:endParaRPr lang="en-US"/>
           </a:p>
